--- a/Vortrag/TemplateWZLElements.pptx
+++ b/Vortrag/TemplateWZLElements.pptx
@@ -252,7 +252,7 @@
           <a:p>
             <a:fld id="{99FD8356-C095-4EDD-9AA3-D4CB5ADA83BF}" type="datetimeFigureOut">
               <a:rPr lang="de-DE" smtClean="0"/>
-              <a:t>14.08.2017</a:t>
+              <a:t>20.08.2017</a:t>
             </a:fld>
             <a:endParaRPr lang="de-DE"/>
           </a:p>
@@ -815,6 +815,12 @@
           <a:bodyPr/>
           <a:lstStyle/>
           <a:p>
+            <a:r>
+              <a:rPr lang="de-DE" dirty="0"/>
+              <a:t>Was ist das WZL ?</a:t>
+            </a:r>
+          </a:p>
+          <a:p>
             <a:endParaRPr lang="de-DE" dirty="0"/>
           </a:p>
         </p:txBody>
@@ -1304,8 +1310,8 @@
         </p:nvSpPr>
         <p:spPr/>
       </p:sp>
-      <mc:AlternateContent xmlns:mc="http://schemas.openxmlformats.org/markup-compatibility/2006">
-        <mc:Choice xmlns:a14="http://schemas.microsoft.com/office/drawing/2010/main" Requires="a14">
+      <mc:AlternateContent xmlns:mc="http://schemas.openxmlformats.org/markup-compatibility/2006" xmlns:a14="http://schemas.microsoft.com/office/drawing/2010/main">
+        <mc:Choice Requires="a14">
           <p:sp>
             <p:nvSpPr>
               <p:cNvPr id="3" name="Notizenplatzhalter 2"/>
@@ -1556,7 +1562,7 @@
             </p:txBody>
           </p:sp>
         </mc:Choice>
-        <mc:Fallback>
+        <mc:Fallback xmlns="">
           <p:sp>
             <p:nvSpPr>
               <p:cNvPr id="3" name="Notizenplatzhalter 2"/>
@@ -1762,7 +1768,7 @@
           <a:graphicData uri="http://schemas.openxmlformats.org/presentationml/2006/ole">
             <mc:AlternateContent xmlns:mc="http://schemas.openxmlformats.org/markup-compatibility/2006">
               <mc:Choice xmlns:v="urn:schemas-microsoft-com:vml" Requires="v">
-                <p:oleObj spid="_x0000_s2138" name="think-cell Folie" r:id="rId4" imgW="270" imgH="270" progId="TCLayout.ActiveDocument.1">
+                <p:oleObj spid="_x0000_s2142" name="think-cell Folie" r:id="rId4" imgW="270" imgH="270" progId="TCLayout.ActiveDocument.1">
                   <p:embed/>
                 </p:oleObj>
               </mc:Choice>
@@ -2748,7 +2754,7 @@
           <a:graphicData uri="http://schemas.openxmlformats.org/presentationml/2006/ole">
             <mc:AlternateContent xmlns:mc="http://schemas.openxmlformats.org/markup-compatibility/2006">
               <mc:Choice xmlns:v="urn:schemas-microsoft-com:vml" Requires="v">
-                <p:oleObj spid="_x0000_s4156" name="think-cell Folie" r:id="rId4" imgW="270" imgH="270" progId="TCLayout.ActiveDocument.1">
+                <p:oleObj spid="_x0000_s4160" name="think-cell Folie" r:id="rId4" imgW="270" imgH="270" progId="TCLayout.ActiveDocument.1">
                   <p:embed/>
                 </p:oleObj>
               </mc:Choice>
@@ -3139,7 +3145,7 @@
           <a:graphicData uri="http://schemas.openxmlformats.org/presentationml/2006/ole">
             <mc:AlternateContent xmlns:mc="http://schemas.openxmlformats.org/markup-compatibility/2006">
               <mc:Choice xmlns:v="urn:schemas-microsoft-com:vml" Requires="v">
-                <p:oleObj spid="_x0000_s1116" name="think-cell Folie" r:id="rId11" imgW="270" imgH="270" progId="TCLayout.ActiveDocument.1">
+                <p:oleObj spid="_x0000_s1120" name="think-cell Folie" r:id="rId11" imgW="270" imgH="270" progId="TCLayout.ActiveDocument.1">
                   <p:embed/>
                 </p:oleObj>
               </mc:Choice>
@@ -4347,7 +4353,7 @@
           <a:graphicData uri="http://schemas.openxmlformats.org/presentationml/2006/ole">
             <mc:AlternateContent xmlns:mc="http://schemas.openxmlformats.org/markup-compatibility/2006">
               <mc:Choice xmlns:v="urn:schemas-microsoft-com:vml" Requires="v">
-                <p:oleObj spid="_x0000_s3169" name="think-cell Folie" r:id="rId4" imgW="270" imgH="270" progId="TCLayout.ActiveDocument.1">
+                <p:oleObj spid="_x0000_s3173" name="think-cell Folie" r:id="rId4" imgW="270" imgH="270" progId="TCLayout.ActiveDocument.1">
                   <p:embed/>
                 </p:oleObj>
               </mc:Choice>
@@ -4488,7 +4494,7 @@
           <p:nvPr>
             <p:extLst>
               <p:ext uri="{D42A27DB-BD31-4B8C-83A1-F6EECF244321}">
-                <p14:modId xmlns:p14="http://schemas.microsoft.com/office/powerpoint/2010/main" val="2451392897"/>
+                <p14:modId xmlns:p14="http://schemas.microsoft.com/office/powerpoint/2010/main" val="2385481930"/>
               </p:ext>
             </p:extLst>
           </p:nvPr>
@@ -4649,13 +4655,8 @@
                     <a:p>
                       <a:r>
                         <a:rPr lang="de-DE" sz="1600" dirty="0"/>
-                        <a:t>Werkzeugmaschinenlabor RWTH </a:t>
+                        <a:t>Werkzeugmaschinenlabor RWTH Aachen</a:t>
                       </a:r>
-                      <a:r>
-                        <a:rPr lang="de-DE" sz="1600" dirty="0" err="1"/>
-                        <a:t>AAchen</a:t>
-                      </a:r>
-                      <a:endParaRPr lang="de-DE" sz="1600" dirty="0"/>
                     </a:p>
                   </a:txBody>
                   <a:tcPr>
@@ -4761,8 +4762,8 @@
           </a:p>
         </p:txBody>
       </p:sp>
-      <mc:AlternateContent xmlns:mc="http://schemas.openxmlformats.org/markup-compatibility/2006">
-        <mc:Choice xmlns:a14="http://schemas.microsoft.com/office/drawing/2010/main" Requires="a14">
+      <mc:AlternateContent xmlns:mc="http://schemas.openxmlformats.org/markup-compatibility/2006" xmlns:a14="http://schemas.microsoft.com/office/drawing/2010/main">
+        <mc:Choice Requires="a14">
           <p:sp>
             <p:nvSpPr>
               <p:cNvPr id="5" name="Textplatzhalter 4">
@@ -5464,7 +5465,7 @@
             </p:txBody>
           </p:sp>
         </mc:Choice>
-        <mc:Fallback>
+        <mc:Fallback xmlns="">
           <p:sp>
             <p:nvSpPr>
               <p:cNvPr id="5" name="Textplatzhalter 4">
@@ -11042,8 +11043,8 @@
           </a:p>
         </p:txBody>
       </p:sp>
-      <mc:AlternateContent xmlns:mc="http://schemas.openxmlformats.org/markup-compatibility/2006">
-        <mc:Choice xmlns:a14="http://schemas.microsoft.com/office/drawing/2010/main" Requires="a14">
+      <mc:AlternateContent xmlns:mc="http://schemas.openxmlformats.org/markup-compatibility/2006" xmlns:a14="http://schemas.microsoft.com/office/drawing/2010/main">
+        <mc:Choice Requires="a14">
           <p:sp>
             <p:nvSpPr>
               <p:cNvPr id="5" name="Textplatzhalter 4">
@@ -11158,25 +11159,35 @@
                     </m:oMathParaPr>
                     <m:oMath xmlns:m="http://schemas.openxmlformats.org/officeDocument/2006/math">
                       <m:r>
-                        <a:rPr lang="de-DE" i="1"/>
+                        <a:rPr lang="de-DE" i="1">
+                          <a:latin typeface="Cambria Math" panose="02040503050406030204" pitchFamily="18" charset="0"/>
+                        </a:rPr>
                         <m:t>𝐴𝑛𝑧𝑎h𝑙</m:t>
                       </m:r>
                       <m:r>
-                        <a:rPr lang="de-DE" i="1"/>
+                        <a:rPr lang="de-DE" i="1">
+                          <a:latin typeface="Cambria Math" panose="02040503050406030204" pitchFamily="18" charset="0"/>
+                        </a:rPr>
                         <m:t> </m:t>
                       </m:r>
                       <m:r>
-                        <a:rPr lang="de-DE" i="1"/>
+                        <a:rPr lang="de-DE" i="1">
+                          <a:latin typeface="Cambria Math" panose="02040503050406030204" pitchFamily="18" charset="0"/>
+                        </a:rPr>
                         <m:t>𝐼𝑡𝑒𝑟𝑎𝑡𝑖𝑜𝑛𝑒𝑛</m:t>
                       </m:r>
                       <m:r>
-                        <a:rPr lang="de-DE" i="1"/>
+                        <a:rPr lang="de-DE" i="1">
+                          <a:latin typeface="Cambria Math" panose="02040503050406030204" pitchFamily="18" charset="0"/>
+                        </a:rPr>
                         <m:t>= </m:t>
                       </m:r>
                       <m:f>
                         <m:fPr>
                           <m:ctrlPr>
-                            <a:rPr lang="de-DE" i="1"/>
+                            <a:rPr lang="de-DE" i="1">
+                              <a:latin typeface="Cambria Math" panose="02040503050406030204" pitchFamily="18" charset="0"/>
+                            </a:rPr>
                           </m:ctrlPr>
                         </m:fPr>
                         <m:num>
@@ -11184,34 +11195,46 @@
                             <m:rPr>
                               <m:sty m:val="p"/>
                             </m:rPr>
-                            <a:rPr lang="de-DE"/>
+                            <a:rPr lang="de-DE">
+                              <a:latin typeface="Cambria Math" panose="02040503050406030204" pitchFamily="18" charset="0"/>
+                            </a:rPr>
                             <m:t>ln</m:t>
                           </m:r>
                           <m:r>
-                            <a:rPr lang="de-DE" i="1"/>
+                            <a:rPr lang="de-DE" i="1">
+                              <a:latin typeface="Cambria Math" panose="02040503050406030204" pitchFamily="18" charset="0"/>
+                            </a:rPr>
                             <m:t>(</m:t>
                           </m:r>
                           <m:f>
                             <m:fPr>
                               <m:ctrlPr>
-                                <a:rPr lang="de-DE" i="1"/>
+                                <a:rPr lang="de-DE" i="1">
+                                  <a:latin typeface="Cambria Math" panose="02040503050406030204" pitchFamily="18" charset="0"/>
+                                </a:rPr>
                               </m:ctrlPr>
                             </m:fPr>
                             <m:num>
                               <m:r>
-                                <a:rPr lang="de-DE" i="1"/>
+                                <a:rPr lang="de-DE" i="1">
+                                  <a:latin typeface="Cambria Math" panose="02040503050406030204" pitchFamily="18" charset="0"/>
+                                </a:rPr>
                                 <m:t>24</m:t>
                               </m:r>
                             </m:num>
                             <m:den>
                               <m:r>
-                                <a:rPr lang="de-DE" i="1"/>
+                                <a:rPr lang="de-DE" i="1">
+                                  <a:latin typeface="Cambria Math" panose="02040503050406030204" pitchFamily="18" charset="0"/>
+                                </a:rPr>
                                 <m:t>𝑔𝑒𝑛𝑎𝑢𝑖𝑔𝑘𝑒𝑖𝑡</m:t>
                               </m:r>
                             </m:den>
                           </m:f>
                           <m:r>
-                            <a:rPr lang="de-DE" i="1"/>
+                            <a:rPr lang="de-DE" i="1">
+                              <a:latin typeface="Cambria Math" panose="02040503050406030204" pitchFamily="18" charset="0"/>
+                            </a:rPr>
                             <m:t>)</m:t>
                           </m:r>
                         </m:num>
@@ -11220,11 +11243,15 @@
                             <m:rPr>
                               <m:sty m:val="p"/>
                             </m:rPr>
-                            <a:rPr lang="de-DE"/>
+                            <a:rPr lang="de-DE">
+                              <a:latin typeface="Cambria Math" panose="02040503050406030204" pitchFamily="18" charset="0"/>
+                            </a:rPr>
                             <m:t>ln</m:t>
                           </m:r>
                           <m:r>
-                            <a:rPr lang="de-DE" i="1"/>
+                            <a:rPr lang="de-DE" i="1">
+                              <a:latin typeface="Cambria Math" panose="02040503050406030204" pitchFamily="18" charset="0"/>
+                            </a:rPr>
                             <m:t>(2)</m:t>
                           </m:r>
                         </m:den>
@@ -11246,7 +11273,7 @@
             </p:txBody>
           </p:sp>
         </mc:Choice>
-        <mc:Fallback>
+        <mc:Fallback xmlns="">
           <p:sp>
             <p:nvSpPr>
               <p:cNvPr id="5" name="Textplatzhalter 4">
@@ -15224,8 +15251,8 @@
           </a:p>
         </p:txBody>
       </p:sp>
-      <mc:AlternateContent xmlns:mc="http://schemas.openxmlformats.org/markup-compatibility/2006">
-        <mc:Choice xmlns:a14="http://schemas.microsoft.com/office/drawing/2010/main" Requires="a14">
+      <mc:AlternateContent xmlns:mc="http://schemas.openxmlformats.org/markup-compatibility/2006" xmlns:a14="http://schemas.microsoft.com/office/drawing/2010/main">
+        <mc:Choice Requires="a14">
           <p:sp>
             <p:nvSpPr>
               <p:cNvPr id="6" name="Textplatzhalter 5">
@@ -15318,7 +15345,7 @@
             </p:txBody>
           </p:sp>
         </mc:Choice>
-        <mc:Fallback>
+        <mc:Fallback xmlns="">
           <p:sp>
             <p:nvSpPr>
               <p:cNvPr id="6" name="Textplatzhalter 5">
@@ -15659,7 +15686,25 @@
           <a:p>
             <a:r>
               <a:rPr lang="de-DE" dirty="0"/>
-              <a:t>DateiSchreiben schreibt die berechneten Ergebnisse in eine Ausgabedatei </a:t>
+              <a:t>Verwendung des </a:t>
+            </a:r>
+            <a:r>
+              <a:rPr lang="de-DE" dirty="0" err="1"/>
+              <a:t>Strategy</a:t>
+            </a:r>
+            <a:r>
+              <a:rPr lang="de-DE" dirty="0"/>
+              <a:t> Pattern</a:t>
+            </a:r>
+          </a:p>
+          <a:p>
+            <a:r>
+              <a:rPr lang="de-DE" dirty="0" err="1"/>
+              <a:t>DateiSchreiben</a:t>
+            </a:r>
+            <a:r>
+              <a:rPr lang="de-DE" dirty="0"/>
+              <a:t> schreibt die berechneten Ergebnisse in eine Ausgabedatei </a:t>
             </a:r>
           </a:p>
           <a:p>
@@ -15744,8 +15789,8 @@
         </p:nvSpPr>
         <p:spPr bwMode="auto">
           <a:xfrm>
-            <a:off x="4225016" y="2676068"/>
-            <a:ext cx="5065486" cy="3164345"/>
+            <a:off x="4225016" y="2959100"/>
+            <a:ext cx="5065486" cy="2881313"/>
           </a:xfrm>
           <a:prstGeom prst="rect">
             <a:avLst/>
@@ -16702,14 +16747,21 @@
           <a:p>
             <a:r>
               <a:rPr lang="de-DE" dirty="0"/>
-              <a:t>Verwendung von Interfaces erlaubt es Eingabe und Ausgabeformat beliebig auszutauschen</a:t>
+              <a:t>Verwendung von Interfaces erlaubt es Eingabe und Ausgabeformat beliebig auszutauschen z. B.:</a:t>
             </a:r>
           </a:p>
           <a:p>
             <a:pPr lvl="1"/>
             <a:r>
               <a:rPr lang="de-DE" dirty="0"/>
-              <a:t>Z. B. GUI Benutzerschnittstelle </a:t>
+              <a:t>Anders Dateiformat</a:t>
+            </a:r>
+          </a:p>
+          <a:p>
+            <a:pPr lvl="1"/>
+            <a:r>
+              <a:rPr lang="de-DE" dirty="0"/>
+              <a:t>GUI Benutzerschnittstelle </a:t>
             </a:r>
           </a:p>
           <a:p>
@@ -20615,8 +20667,8 @@
           </a:p>
         </p:txBody>
       </p:sp>
-      <mc:AlternateContent xmlns:mc="http://schemas.openxmlformats.org/markup-compatibility/2006">
-        <mc:Choice xmlns:a14="http://schemas.microsoft.com/office/drawing/2010/main" Requires="a14">
+      <mc:AlternateContent xmlns:mc="http://schemas.openxmlformats.org/markup-compatibility/2006" xmlns:a14="http://schemas.microsoft.com/office/drawing/2010/main">
+        <mc:Choice Requires="a14">
           <p:sp>
             <p:nvSpPr>
               <p:cNvPr id="3" name="Textplatzhalter 2"/>
@@ -21103,7 +21155,7 @@
             </p:txBody>
           </p:sp>
         </mc:Choice>
-        <mc:Fallback>
+        <mc:Fallback xmlns="">
           <p:sp>
             <p:nvSpPr>
               <p:cNvPr id="3" name="Textplatzhalter 2"/>
@@ -22788,7 +22840,25 @@
           <a:p>
             <a:r>
               <a:rPr lang="de-DE" dirty="0"/>
-              <a:t>DateiEinlesen ließt die Daten aus einer Eingabedatei ein</a:t>
+              <a:t>Verwendung des </a:t>
+            </a:r>
+            <a:r>
+              <a:rPr lang="de-DE" dirty="0" err="1"/>
+              <a:t>Strategy</a:t>
+            </a:r>
+            <a:r>
+              <a:rPr lang="de-DE" dirty="0"/>
+              <a:t> Pattern</a:t>
+            </a:r>
+          </a:p>
+          <a:p>
+            <a:r>
+              <a:rPr lang="de-DE" dirty="0" err="1"/>
+              <a:t>DateiEinlesen</a:t>
+            </a:r>
+            <a:r>
+              <a:rPr lang="de-DE" dirty="0"/>
+              <a:t> ließt die Daten aus einer Eingabedatei ein</a:t>
             </a:r>
           </a:p>
           <a:p>
@@ -22961,7 +23031,7 @@
         </p:nvSpPr>
         <p:spPr bwMode="auto">
           <a:xfrm>
-            <a:off x="4225016" y="3352006"/>
+            <a:off x="4225016" y="3489100"/>
             <a:ext cx="5065486" cy="2351313"/>
           </a:xfrm>
           <a:prstGeom prst="rect">
